--- a/Documents/Release 3/ReleasePräsentation3__Team04.pptx
+++ b/Documents/Release 3/ReleasePräsentation3__Team04.pptx
@@ -261,7 +261,7 @@
       <p15:sldGuideLst xmlns:p15="http://schemas.microsoft.com/office/powerpoint/2012/main"/>
     </p:ext>
     <p:ext uri="http://customooxmlschemas.google.com/">
-      <go:slidesCustomData xmlns="" xmlns:mc="http://schemas.openxmlformats.org/markup-compatibility/2006" xmlns:mv="urn:schemas-microsoft-com:mac:vml" xmlns:c="http://schemas.openxmlformats.org/drawingml/2006/chart" xmlns:dgm="http://schemas.openxmlformats.org/drawingml/2006/diagram" xmlns:o="urn:schemas-microsoft-com:office:office" xmlns:v="urn:schemas-microsoft-com:vml" xmlns:pvml="urn:schemas-microsoft-com:office:powerpoint" xmlns:com="http://schemas.openxmlformats.org/drawingml/2006/compatibility" xmlns:p14="http://schemas.microsoft.com/office/powerpoint/2010/main" xmlns:p15="http://schemas.microsoft.com/office/powerpoint/2012/main" xmlns:go="http://customooxmlschemas.google.com/" r:id="rId15" roundtripDataSignature="AMtx7mhVY14TF5ho6/tC0QF9xxEznTSx8A=="/>
+      <go:slidesCustomData xmlns:go="http://customooxmlschemas.google.com/" xmlns:p15="http://schemas.microsoft.com/office/powerpoint/2012/main" xmlns:p14="http://schemas.microsoft.com/office/powerpoint/2010/main" xmlns:com="http://schemas.openxmlformats.org/drawingml/2006/compatibility" xmlns:pvml="urn:schemas-microsoft-com:office:powerpoint" xmlns:v="urn:schemas-microsoft-com:vml" xmlns:o="urn:schemas-microsoft-com:office:office" xmlns:dgm="http://schemas.openxmlformats.org/drawingml/2006/diagram" xmlns:c="http://schemas.openxmlformats.org/drawingml/2006/chart" xmlns:mv="urn:schemas-microsoft-com:mac:vml" xmlns:mc="http://schemas.openxmlformats.org/markup-compatibility/2006" xmlns="" r:id="rId15" roundtripDataSignature="AMtx7mhVY14TF5ho6/tC0QF9xxEznTSx8A=="/>
     </p:ext>
   </p:extLst>
 </p:presentation>
@@ -28477,7 +28477,7 @@
             </a:pPr>
             <a:r>
               <a:rPr lang="en-US" sz="2500" dirty="0"/>
-              <a:t>We did calculate the effort it would take us to implement the tasks accurately. In comparison to Release 2, we would conclude, that our time measuring skills expanded. </a:t>
+              <a:t>We did calculate the effort it would take us to implement the tasks accurately. In comparison to Release 2, we would conclude, that our time measuring skills improved. </a:t>
             </a:r>
             <a:endParaRPr sz="2500" dirty="0"/>
           </a:p>

--- a/Documents/Release 3/ReleasePräsentation3__Team04.pptx
+++ b/Documents/Release 3/ReleasePräsentation3__Team04.pptx
@@ -5,7 +5,7 @@
     <p:sldMasterId id="2147483648" r:id="rId1"/>
   </p:sldMasterIdLst>
   <p:notesMasterIdLst>
-    <p:notesMasterId r:id="rId11"/>
+    <p:notesMasterId r:id="rId10"/>
   </p:notesMasterIdLst>
   <p:sldIdLst>
     <p:sldId id="256" r:id="rId2"/>
@@ -15,16 +15,15 @@
     <p:sldId id="259" r:id="rId6"/>
     <p:sldId id="261" r:id="rId7"/>
     <p:sldId id="262" r:id="rId8"/>
-    <p:sldId id="263" r:id="rId9"/>
-    <p:sldId id="264" r:id="rId10"/>
+    <p:sldId id="264" r:id="rId9"/>
   </p:sldIdLst>
   <p:sldSz cx="9144000" cy="6858000" type="screen4x3"/>
   <p:notesSz cx="7102475" cy="10234613"/>
   <p:embeddedFontLst>
     <p:embeddedFont>
       <p:font typeface="Arial Black" panose="020B0A04020102020204" pitchFamily="34" charset="0"/>
-      <p:regular r:id="rId12"/>
-      <p:bold r:id="rId13"/>
+      <p:regular r:id="rId11"/>
+      <p:bold r:id="rId12"/>
     </p:embeddedFont>
   </p:embeddedFontLst>
   <p:defaultTextStyle>
@@ -261,7 +260,7 @@
       <p15:sldGuideLst xmlns:p15="http://schemas.microsoft.com/office/powerpoint/2012/main"/>
     </p:ext>
     <p:ext uri="http://customooxmlschemas.google.com/">
-      <go:slidesCustomData xmlns="" xmlns:mc="http://schemas.openxmlformats.org/markup-compatibility/2006" xmlns:mv="urn:schemas-microsoft-com:mac:vml" xmlns:c="http://schemas.openxmlformats.org/drawingml/2006/chart" xmlns:dgm="http://schemas.openxmlformats.org/drawingml/2006/diagram" xmlns:o="urn:schemas-microsoft-com:office:office" xmlns:v="urn:schemas-microsoft-com:vml" xmlns:pvml="urn:schemas-microsoft-com:office:powerpoint" xmlns:com="http://schemas.openxmlformats.org/drawingml/2006/compatibility" xmlns:p14="http://schemas.microsoft.com/office/powerpoint/2010/main" xmlns:p15="http://schemas.microsoft.com/office/powerpoint/2012/main" xmlns:go="http://customooxmlschemas.google.com/" r:id="rId15" roundtripDataSignature="AMtx7mhVY14TF5ho6/tC0QF9xxEznTSx8A=="/>
+      <go:slidesCustomData xmlns:go="http://customooxmlschemas.google.com/" xmlns:p15="http://schemas.microsoft.com/office/powerpoint/2012/main" xmlns:p14="http://schemas.microsoft.com/office/powerpoint/2010/main" xmlns:com="http://schemas.openxmlformats.org/drawingml/2006/compatibility" xmlns:pvml="urn:schemas-microsoft-com:office:powerpoint" xmlns:v="urn:schemas-microsoft-com:vml" xmlns:o="urn:schemas-microsoft-com:office:office" xmlns:dgm="http://schemas.openxmlformats.org/drawingml/2006/diagram" xmlns:c="http://schemas.openxmlformats.org/drawingml/2006/chart" xmlns:mv="urn:schemas-microsoft-com:mac:vml" xmlns:mc="http://schemas.openxmlformats.org/markup-compatibility/2006" xmlns="" r:id="rId15" roundtripDataSignature="AMtx7mhVY14TF5ho6/tC0QF9xxEznTSx8A=="/>
     </p:ext>
   </p:extLst>
 </p:presentation>
@@ -2937,178 +2936,6 @@
   <p:cSld>
     <p:spTree>
       <p:nvGrpSpPr>
-        <p:cNvPr id="1" name="Shape 206"/>
-        <p:cNvGrpSpPr/>
-        <p:nvPr/>
-      </p:nvGrpSpPr>
-      <p:grpSpPr>
-        <a:xfrm>
-          <a:off x="0" y="0"/>
-          <a:ext cx="0" cy="0"/>
-          <a:chOff x="0" y="0"/>
-          <a:chExt cx="0" cy="0"/>
-        </a:xfrm>
-      </p:grpSpPr>
-      <p:sp>
-        <p:nvSpPr>
-          <p:cNvPr id="207" name="Google Shape;207;g71d64f1754_0_25:notes"/>
-          <p:cNvSpPr>
-            <a:spLocks noGrp="1" noRot="1" noChangeAspect="1"/>
-          </p:cNvSpPr>
-          <p:nvPr>
-            <p:ph type="sldImg" idx="2"/>
-          </p:nvPr>
-        </p:nvSpPr>
-        <p:spPr>
-          <a:xfrm>
-            <a:off x="1247775" y="1279525"/>
-            <a:ext cx="4606925" cy="3454400"/>
-          </a:xfrm>
-          <a:custGeom>
-            <a:avLst/>
-            <a:gdLst/>
-            <a:ahLst/>
-            <a:cxnLst/>
-            <a:rect l="l" t="t" r="r" b="b"/>
-            <a:pathLst>
-              <a:path w="120000" h="120000" extrusionOk="0">
-                <a:moveTo>
-                  <a:pt x="0" y="0"/>
-                </a:moveTo>
-                <a:lnTo>
-                  <a:pt x="120000" y="0"/>
-                </a:lnTo>
-                <a:lnTo>
-                  <a:pt x="120000" y="120000"/>
-                </a:lnTo>
-                <a:lnTo>
-                  <a:pt x="0" y="120000"/>
-                </a:lnTo>
-                <a:close/>
-              </a:path>
-            </a:pathLst>
-          </a:custGeom>
-          <a:noFill/>
-          <a:ln w="12700" cap="flat" cmpd="sng">
-            <a:solidFill>
-              <a:srgbClr val="000000"/>
-            </a:solidFill>
-            <a:prstDash val="solid"/>
-            <a:round/>
-            <a:headEnd type="none" w="sm" len="sm"/>
-            <a:tailEnd type="none" w="sm" len="sm"/>
-          </a:ln>
-        </p:spPr>
-      </p:sp>
-      <p:sp>
-        <p:nvSpPr>
-          <p:cNvPr id="208" name="Google Shape;208;g71d64f1754_0_25:notes"/>
-          <p:cNvSpPr txBox="1">
-            <a:spLocks noGrp="1"/>
-          </p:cNvSpPr>
-          <p:nvPr>
-            <p:ph type="body" idx="1"/>
-          </p:nvPr>
-        </p:nvSpPr>
-        <p:spPr>
-          <a:xfrm>
-            <a:off x="709613" y="4926013"/>
-            <a:ext cx="5683200" cy="4029000"/>
-          </a:xfrm>
-          <a:prstGeom prst="rect">
-            <a:avLst/>
-          </a:prstGeom>
-          <a:noFill/>
-          <a:ln>
-            <a:noFill/>
-          </a:ln>
-        </p:spPr>
-        <p:txBody>
-          <a:bodyPr spcFirstLastPara="1" wrap="square" lIns="91425" tIns="45700" rIns="91425" bIns="45700" anchor="t" anchorCtr="0">
-            <a:noAutofit/>
-          </a:bodyPr>
-          <a:lstStyle/>
-          <a:p>
-            <a:pPr marL="0" lvl="0" indent="0" algn="l" rtl="0">
-              <a:lnSpc>
-                <a:spcPct val="100000"/>
-              </a:lnSpc>
-              <a:spcBef>
-                <a:spcPts val="0"/>
-              </a:spcBef>
-              <a:spcAft>
-                <a:spcPts val="0"/>
-              </a:spcAft>
-              <a:buSzPts val="1400"/>
-              <a:buNone/>
-            </a:pPr>
-            <a:endParaRPr/>
-          </a:p>
-        </p:txBody>
-      </p:sp>
-      <p:sp>
-        <p:nvSpPr>
-          <p:cNvPr id="209" name="Google Shape;209;g71d64f1754_0_25:notes"/>
-          <p:cNvSpPr txBox="1">
-            <a:spLocks noGrp="1"/>
-          </p:cNvSpPr>
-          <p:nvPr>
-            <p:ph type="sldNum" idx="12"/>
-          </p:nvPr>
-        </p:nvSpPr>
-        <p:spPr>
-          <a:xfrm>
-            <a:off x="4022725" y="9721850"/>
-            <a:ext cx="3078300" cy="512700"/>
-          </a:xfrm>
-          <a:prstGeom prst="rect">
-            <a:avLst/>
-          </a:prstGeom>
-          <a:noFill/>
-          <a:ln>
-            <a:noFill/>
-          </a:ln>
-        </p:spPr>
-        <p:txBody>
-          <a:bodyPr spcFirstLastPara="1" wrap="square" lIns="91425" tIns="45700" rIns="91425" bIns="45700" anchor="b" anchorCtr="0">
-            <a:noAutofit/>
-          </a:bodyPr>
-          <a:lstStyle/>
-          <a:p>
-            <a:pPr marL="0" lvl="0" indent="0" algn="r" rtl="0">
-              <a:lnSpc>
-                <a:spcPct val="100000"/>
-              </a:lnSpc>
-              <a:spcBef>
-                <a:spcPts val="0"/>
-              </a:spcBef>
-              <a:spcAft>
-                <a:spcPts val="0"/>
-              </a:spcAft>
-              <a:buSzPts val="1400"/>
-              <a:buNone/>
-            </a:pPr>
-            <a:fld id="{00000000-1234-1234-1234-123412341234}" type="slidenum">
-              <a:rPr lang="de-AT"/>
-              <a:t>8</a:t>
-            </a:fld>
-            <a:endParaRPr/>
-          </a:p>
-        </p:txBody>
-      </p:sp>
-    </p:spTree>
-  </p:cSld>
-  <p:clrMapOvr>
-    <a:masterClrMapping/>
-  </p:clrMapOvr>
-</p:notes>
-</file>
-
-<file path=ppt/notesSlides/notesSlide9.xml><?xml version="1.0" encoding="utf-8"?>
-<p:notes xmlns:a="http://schemas.openxmlformats.org/drawingml/2006/main" xmlns:r="http://schemas.openxmlformats.org/officeDocument/2006/relationships" xmlns:p="http://schemas.openxmlformats.org/presentationml/2006/main" showMasterSp="0" showMasterPhAnim="0">
-  <p:cSld>
-    <p:spTree>
-      <p:nvGrpSpPr>
         <p:cNvPr id="1" name="Shape 216"/>
         <p:cNvGrpSpPr/>
         <p:nvPr/>
@@ -3262,7 +3089,7 @@
             </a:pPr>
             <a:fld id="{00000000-1234-1234-1234-123412341234}" type="slidenum">
               <a:rPr lang="de-AT"/>
-              <a:t>9</a:t>
+              <a:t>8</a:t>
             </a:fld>
             <a:endParaRPr/>
           </a:p>
@@ -26872,11 +26699,7 @@
             </a:pPr>
             <a:r>
               <a:rPr lang="en-US" sz="2400" dirty="0"/>
-              <a:t>First Version of project documentation </a:t>
-            </a:r>
-            <a:r>
-              <a:rPr lang="de-AT" sz="2500" dirty="0"/>
-              <a:t>Prototype Demonstration</a:t>
+              <a:t>First Version of project documentation</a:t>
             </a:r>
             <a:endParaRPr sz="2500" dirty="0"/>
           </a:p>
@@ -26921,11 +26744,7 @@
             </a:r>
             <a:r>
               <a:rPr lang="de-AT" sz="2500" dirty="0"/>
-              <a:t> </a:t>
-            </a:r>
-            <a:r>
-              <a:rPr lang="de-AT" sz="2500"/>
-              <a:t>Final Release</a:t>
+              <a:t> Final Release</a:t>
             </a:r>
             <a:endParaRPr sz="2500" dirty="0"/>
           </a:p>
@@ -27847,7 +27666,7 @@
                 <a:latin typeface="Arial Black"/>
                 <a:sym typeface="Arial Black"/>
               </a:rPr>
-              <a:t>First Version of project documentation Prototype Demonstration</a:t>
+              <a:t>First Version of project documentation</a:t>
             </a:r>
           </a:p>
           <a:p>
@@ -28496,281 +28315,6 @@
   <p:cSld>
     <p:spTree>
       <p:nvGrpSpPr>
-        <p:cNvPr id="1" name="Shape 210"/>
-        <p:cNvGrpSpPr/>
-        <p:nvPr/>
-      </p:nvGrpSpPr>
-      <p:grpSpPr>
-        <a:xfrm>
-          <a:off x="0" y="0"/>
-          <a:ext cx="0" cy="0"/>
-          <a:chOff x="0" y="0"/>
-          <a:chExt cx="0" cy="0"/>
-        </a:xfrm>
-      </p:grpSpPr>
-      <p:sp>
-        <p:nvSpPr>
-          <p:cNvPr id="211" name="Google Shape;211;g71d64f1754_0_25"/>
-          <p:cNvSpPr txBox="1">
-            <a:spLocks noGrp="1"/>
-          </p:cNvSpPr>
-          <p:nvPr>
-            <p:ph type="body" idx="1"/>
-          </p:nvPr>
-        </p:nvSpPr>
-        <p:spPr>
-          <a:xfrm>
-            <a:off x="548268" y="5927411"/>
-            <a:ext cx="7925400" cy="278700"/>
-          </a:xfrm>
-          <a:prstGeom prst="rect">
-            <a:avLst/>
-          </a:prstGeom>
-          <a:noFill/>
-          <a:ln>
-            <a:noFill/>
-          </a:ln>
-        </p:spPr>
-        <p:txBody>
-          <a:bodyPr spcFirstLastPara="1" wrap="square" lIns="91425" tIns="45700" rIns="91425" bIns="45700" anchor="b" anchorCtr="0">
-            <a:noAutofit/>
-          </a:bodyPr>
-          <a:lstStyle/>
-          <a:p>
-            <a:pPr marL="0" lvl="0" indent="0" algn="l" rtl="0">
-              <a:lnSpc>
-                <a:spcPct val="83000"/>
-              </a:lnSpc>
-              <a:spcBef>
-                <a:spcPts val="0"/>
-              </a:spcBef>
-              <a:spcAft>
-                <a:spcPts val="600"/>
-              </a:spcAft>
-              <a:buSzPts val="720"/>
-              <a:buNone/>
-            </a:pPr>
-            <a:endParaRPr/>
-          </a:p>
-        </p:txBody>
-      </p:sp>
-      <p:sp>
-        <p:nvSpPr>
-          <p:cNvPr id="212" name="Google Shape;212;g71d64f1754_0_25"/>
-          <p:cNvSpPr txBox="1">
-            <a:spLocks noGrp="1"/>
-          </p:cNvSpPr>
-          <p:nvPr>
-            <p:ph type="title"/>
-          </p:nvPr>
-        </p:nvSpPr>
-        <p:spPr>
-          <a:xfrm>
-            <a:off x="549322" y="651700"/>
-            <a:ext cx="7938300" cy="938700"/>
-          </a:xfrm>
-          <a:prstGeom prst="rect">
-            <a:avLst/>
-          </a:prstGeom>
-          <a:noFill/>
-          <a:ln>
-            <a:noFill/>
-          </a:ln>
-        </p:spPr>
-        <p:txBody>
-          <a:bodyPr spcFirstLastPara="1" wrap="square" lIns="91425" tIns="45700" rIns="91425" bIns="45700" anchor="t" anchorCtr="0">
-            <a:noAutofit/>
-          </a:bodyPr>
-          <a:lstStyle/>
-          <a:p>
-            <a:pPr marL="0" lvl="0" indent="0" algn="l" rtl="0">
-              <a:lnSpc>
-                <a:spcPct val="83000"/>
-              </a:lnSpc>
-              <a:spcBef>
-                <a:spcPts val="0"/>
-              </a:spcBef>
-              <a:spcAft>
-                <a:spcPts val="0"/>
-              </a:spcAft>
-              <a:buSzPts val="3000"/>
-              <a:buNone/>
-            </a:pPr>
-            <a:r>
-              <a:rPr lang="de-AT" dirty="0"/>
-              <a:t>Problems in Release 3</a:t>
-            </a:r>
-            <a:endParaRPr dirty="0"/>
-          </a:p>
-        </p:txBody>
-      </p:sp>
-      <p:sp>
-        <p:nvSpPr>
-          <p:cNvPr id="213" name="Google Shape;213;g71d64f1754_0_25"/>
-          <p:cNvSpPr>
-            <a:spLocks noGrp="1"/>
-          </p:cNvSpPr>
-          <p:nvPr>
-            <p:ph type="pic" idx="2"/>
-          </p:nvPr>
-        </p:nvSpPr>
-        <p:spPr>
-          <a:xfrm>
-            <a:off x="1549400" y="6356350"/>
-            <a:ext cx="763200" cy="352800"/>
-          </a:xfrm>
-          <a:prstGeom prst="rect">
-            <a:avLst/>
-          </a:prstGeom>
-          <a:noFill/>
-          <a:ln>
-            <a:noFill/>
-          </a:ln>
-        </p:spPr>
-        <p:txBody>
-          <a:bodyPr spcFirstLastPara="1" wrap="square" lIns="36000" tIns="72000" rIns="91425" bIns="0" anchor="t" anchorCtr="0">
-            <a:noAutofit/>
-          </a:bodyPr>
-          <a:lstStyle/>
-          <a:p>
-            <a:pPr marL="0" marR="0" lvl="0" indent="0" algn="l" rtl="0">
-              <a:lnSpc>
-                <a:spcPct val="112500"/>
-              </a:lnSpc>
-              <a:spcBef>
-                <a:spcPts val="0"/>
-              </a:spcBef>
-              <a:spcAft>
-                <a:spcPts val="600"/>
-              </a:spcAft>
-              <a:buClr>
-                <a:schemeClr val="dk1"/>
-              </a:buClr>
-              <a:buSzPts val="720"/>
-              <a:buFont typeface="Noto Sans Symbols"/>
-              <a:buNone/>
-            </a:pPr>
-            <a:endParaRPr sz="800" b="0" i="0" u="none" strike="noStrike" cap="none">
-              <a:solidFill>
-                <a:schemeClr val="dk1"/>
-              </a:solidFill>
-              <a:latin typeface="Arial"/>
-              <a:ea typeface="Arial"/>
-              <a:cs typeface="Arial"/>
-              <a:sym typeface="Arial"/>
-            </a:endParaRPr>
-          </a:p>
-        </p:txBody>
-      </p:sp>
-      <p:sp>
-        <p:nvSpPr>
-          <p:cNvPr id="214" name="Google Shape;214;g71d64f1754_0_25"/>
-          <p:cNvSpPr txBox="1">
-            <a:spLocks noGrp="1"/>
-          </p:cNvSpPr>
-          <p:nvPr>
-            <p:ph type="sldNum" idx="12"/>
-          </p:nvPr>
-        </p:nvSpPr>
-        <p:spPr>
-          <a:xfrm>
-            <a:off x="8087836" y="6395540"/>
-            <a:ext cx="514500" cy="365100"/>
-          </a:xfrm>
-          <a:prstGeom prst="rect">
-            <a:avLst/>
-          </a:prstGeom>
-          <a:noFill/>
-          <a:ln>
-            <a:noFill/>
-          </a:ln>
-        </p:spPr>
-        <p:txBody>
-          <a:bodyPr spcFirstLastPara="1" wrap="square" lIns="91425" tIns="45700" rIns="91425" bIns="45700" anchor="ctr" anchorCtr="0">
-            <a:noAutofit/>
-          </a:bodyPr>
-          <a:lstStyle/>
-          <a:p>
-            <a:pPr marL="0" lvl="0" indent="0" algn="r" rtl="0">
-              <a:lnSpc>
-                <a:spcPct val="100000"/>
-              </a:lnSpc>
-              <a:spcBef>
-                <a:spcPts val="0"/>
-              </a:spcBef>
-              <a:spcAft>
-                <a:spcPts val="0"/>
-              </a:spcAft>
-              <a:buSzPts val="1000"/>
-              <a:buNone/>
-            </a:pPr>
-            <a:fld id="{00000000-1234-1234-1234-123412341234}" type="slidenum">
-              <a:rPr lang="de-AT"/>
-              <a:t>8</a:t>
-            </a:fld>
-            <a:endParaRPr/>
-          </a:p>
-        </p:txBody>
-      </p:sp>
-      <p:sp>
-        <p:nvSpPr>
-          <p:cNvPr id="215" name="Google Shape;215;g71d64f1754_0_25"/>
-          <p:cNvSpPr txBox="1">
-            <a:spLocks noGrp="1"/>
-          </p:cNvSpPr>
-          <p:nvPr>
-            <p:ph type="body" idx="3"/>
-          </p:nvPr>
-        </p:nvSpPr>
-        <p:spPr>
-          <a:xfrm>
-            <a:off x="548268" y="1104900"/>
-            <a:ext cx="7925400" cy="4822395"/>
-          </a:xfrm>
-          <a:prstGeom prst="rect">
-            <a:avLst/>
-          </a:prstGeom>
-          <a:noFill/>
-          <a:ln>
-            <a:noFill/>
-          </a:ln>
-        </p:spPr>
-        <p:txBody>
-          <a:bodyPr spcFirstLastPara="1" wrap="square" lIns="91425" tIns="45700" rIns="91425" bIns="45700" anchor="t" anchorCtr="0">
-            <a:noAutofit/>
-          </a:bodyPr>
-          <a:lstStyle/>
-          <a:p>
-            <a:pPr marL="457200" lvl="0" indent="-387350" algn="l" rtl="0">
-              <a:lnSpc>
-                <a:spcPct val="105000"/>
-              </a:lnSpc>
-              <a:spcBef>
-                <a:spcPts val="600"/>
-              </a:spcBef>
-              <a:spcAft>
-                <a:spcPts val="0"/>
-              </a:spcAft>
-              <a:buSzPts val="2500"/>
-              <a:buChar char="⬛"/>
-            </a:pPr>
-            <a:endParaRPr lang="de-AT" sz="2500" dirty="0"/>
-          </a:p>
-        </p:txBody>
-      </p:sp>
-    </p:spTree>
-  </p:cSld>
-  <p:clrMapOvr>
-    <a:masterClrMapping/>
-  </p:clrMapOvr>
-</p:sld>
-</file>
-
-<file path=ppt/slides/slide9.xml><?xml version="1.0" encoding="utf-8"?>
-<p:sld xmlns:a="http://schemas.openxmlformats.org/drawingml/2006/main" xmlns:r="http://schemas.openxmlformats.org/officeDocument/2006/relationships" xmlns:p="http://schemas.openxmlformats.org/presentationml/2006/main">
-  <p:cSld>
-    <p:spTree>
-      <p:nvGrpSpPr>
         <p:cNvPr id="1" name="Shape 220"/>
         <p:cNvGrpSpPr/>
         <p:nvPr/>
@@ -29005,7 +28549,7 @@
             </a:pPr>
             <a:fld id="{00000000-1234-1234-1234-123412341234}" type="slidenum">
               <a:rPr lang="de-AT"/>
-              <a:t>9</a:t>
+              <a:t>8</a:t>
             </a:fld>
             <a:endParaRPr/>
           </a:p>
